--- a/CalendarioAgo20L/presentaciones/6_Funciones.pptx
+++ b/CalendarioAgo20L/presentaciones/6_Funciones.pptx
@@ -231,7 +231,7 @@
           <a:p>
             <a:fld id="{DDE721D5-655F-45D2-B717-3C4CD78C8568}" type="datetimeFigureOut">
               <a:rPr lang="es-MX" smtClean="0"/>
-              <a:t>24/07/2020</a:t>
+              <a:t>20/08/2020</a:t>
             </a:fld>
             <a:endParaRPr lang="es-MX" dirty="0"/>
           </a:p>
@@ -1268,7 +1268,7 @@
           <a:p>
             <a:fld id="{B3F3E716-CACC-4490-AD07-F24B6A68DE47}" type="datetimeFigureOut">
               <a:rPr lang="es-MX" smtClean="0"/>
-              <a:t>24/07/2020</a:t>
+              <a:t>20/08/2020</a:t>
             </a:fld>
             <a:endParaRPr lang="es-MX" dirty="0"/>
           </a:p>
@@ -1438,7 +1438,7 @@
           <a:p>
             <a:fld id="{B3F3E716-CACC-4490-AD07-F24B6A68DE47}" type="datetimeFigureOut">
               <a:rPr lang="es-MX" smtClean="0"/>
-              <a:t>24/07/2020</a:t>
+              <a:t>20/08/2020</a:t>
             </a:fld>
             <a:endParaRPr lang="es-MX" dirty="0"/>
           </a:p>
@@ -1618,7 +1618,7 @@
           <a:p>
             <a:fld id="{B3F3E716-CACC-4490-AD07-F24B6A68DE47}" type="datetimeFigureOut">
               <a:rPr lang="es-MX" smtClean="0"/>
-              <a:t>24/07/2020</a:t>
+              <a:t>20/08/2020</a:t>
             </a:fld>
             <a:endParaRPr lang="es-MX" dirty="0"/>
           </a:p>
@@ -1771,7 +1771,7 @@
           <a:p>
             <a:fld id="{1D8BD707-D9CF-40AE-B4C6-C98DA3205C09}" type="datetimeFigureOut">
               <a:rPr lang="en-US" smtClean="0"/>
-              <a:t>7/24/2020</a:t>
+              <a:t>8/20/2020</a:t>
             </a:fld>
             <a:endParaRPr lang="en-US"/>
           </a:p>
@@ -1931,7 +1931,7 @@
           <a:p>
             <a:fld id="{B3F3E716-CACC-4490-AD07-F24B6A68DE47}" type="datetimeFigureOut">
               <a:rPr lang="es-MX" smtClean="0"/>
-              <a:t>24/07/2020</a:t>
+              <a:t>20/08/2020</a:t>
             </a:fld>
             <a:endParaRPr lang="es-MX" dirty="0"/>
           </a:p>
@@ -2177,7 +2177,7 @@
           <a:p>
             <a:fld id="{B3F3E716-CACC-4490-AD07-F24B6A68DE47}" type="datetimeFigureOut">
               <a:rPr lang="es-MX" smtClean="0"/>
-              <a:t>24/07/2020</a:t>
+              <a:t>20/08/2020</a:t>
             </a:fld>
             <a:endParaRPr lang="es-MX" dirty="0"/>
           </a:p>
@@ -2465,7 +2465,7 @@
           <a:p>
             <a:fld id="{B3F3E716-CACC-4490-AD07-F24B6A68DE47}" type="datetimeFigureOut">
               <a:rPr lang="es-MX" smtClean="0"/>
-              <a:t>24/07/2020</a:t>
+              <a:t>20/08/2020</a:t>
             </a:fld>
             <a:endParaRPr lang="es-MX" dirty="0"/>
           </a:p>
@@ -2887,7 +2887,7 @@
           <a:p>
             <a:fld id="{B3F3E716-CACC-4490-AD07-F24B6A68DE47}" type="datetimeFigureOut">
               <a:rPr lang="es-MX" smtClean="0"/>
-              <a:t>24/07/2020</a:t>
+              <a:t>20/08/2020</a:t>
             </a:fld>
             <a:endParaRPr lang="es-MX" dirty="0"/>
           </a:p>
@@ -3005,7 +3005,7 @@
           <a:p>
             <a:fld id="{B3F3E716-CACC-4490-AD07-F24B6A68DE47}" type="datetimeFigureOut">
               <a:rPr lang="es-MX" smtClean="0"/>
-              <a:t>24/07/2020</a:t>
+              <a:t>20/08/2020</a:t>
             </a:fld>
             <a:endParaRPr lang="es-MX" dirty="0"/>
           </a:p>
@@ -3100,7 +3100,7 @@
           <a:p>
             <a:fld id="{B3F3E716-CACC-4490-AD07-F24B6A68DE47}" type="datetimeFigureOut">
               <a:rPr lang="es-MX" smtClean="0"/>
-              <a:t>24/07/2020</a:t>
+              <a:t>20/08/2020</a:t>
             </a:fld>
             <a:endParaRPr lang="es-MX" dirty="0"/>
           </a:p>
@@ -3377,7 +3377,7 @@
           <a:p>
             <a:fld id="{B3F3E716-CACC-4490-AD07-F24B6A68DE47}" type="datetimeFigureOut">
               <a:rPr lang="es-MX" smtClean="0"/>
-              <a:t>24/07/2020</a:t>
+              <a:t>20/08/2020</a:t>
             </a:fld>
             <a:endParaRPr lang="es-MX" dirty="0"/>
           </a:p>
@@ -3630,7 +3630,7 @@
           <a:p>
             <a:fld id="{B3F3E716-CACC-4490-AD07-F24B6A68DE47}" type="datetimeFigureOut">
               <a:rPr lang="es-MX" smtClean="0"/>
-              <a:t>24/07/2020</a:t>
+              <a:t>20/08/2020</a:t>
             </a:fld>
             <a:endParaRPr lang="es-MX" dirty="0"/>
           </a:p>
@@ -3843,7 +3843,7 @@
           <a:p>
             <a:fld id="{B3F3E716-CACC-4490-AD07-F24B6A68DE47}" type="datetimeFigureOut">
               <a:rPr lang="es-MX" smtClean="0"/>
-              <a:t>24/07/2020</a:t>
+              <a:t>20/08/2020</a:t>
             </a:fld>
             <a:endParaRPr lang="es-MX" dirty="0"/>
           </a:p>
@@ -9793,8 +9793,8 @@
         </p:nvSpPr>
         <p:spPr>
           <a:xfrm>
-            <a:off x="943797" y="3183837"/>
-            <a:ext cx="6669176" cy="1393429"/>
+            <a:off x="943796" y="3183837"/>
+            <a:ext cx="8020692" cy="1676760"/>
           </a:xfrm>
           <a:prstGeom prst="rect">
             <a:avLst/>
@@ -10140,16 +10140,16 @@
               <a:t>(</a:t>
             </a:r>
             <a:r>
-              <a:rPr lang="es-ES_tradnl" sz="2400" b="1" dirty="0" err="1">
+              <a:rPr lang="es-MX" sz="2400" b="1" dirty="0">
                 <a:solidFill>
                   <a:schemeClr val="tx1">
                     <a:lumMod val="95000"/>
                     <a:lumOff val="5000"/>
                   </a:schemeClr>
                 </a:solidFill>
-                <a:cs typeface="Arial" pitchFamily="34" charset="0"/>
-              </a:rPr>
-              <a:t>num</a:t>
+                <a:cs typeface="Arial" panose="020B0604020202020204" pitchFamily="34" charset="0"/>
+              </a:rPr>
+              <a:t>"%.2f </a:t>
             </a:r>
             <a:r>
               <a:rPr lang="es-ES_tradnl" sz="2400" b="1" dirty="0">
@@ -10161,7 +10161,7 @@
                 </a:solidFill>
                 <a:cs typeface="Arial" pitchFamily="34" charset="0"/>
               </a:rPr>
-              <a:t>, </a:t>
+              <a:t>elevado al cuadrado es %.2f</a:t>
             </a:r>
             <a:r>
               <a:rPr lang="es-MX" sz="2400" b="1" dirty="0">
@@ -10173,7 +10173,7 @@
                 </a:solidFill>
                 <a:cs typeface="Arial" panose="020B0604020202020204" pitchFamily="34" charset="0"/>
               </a:rPr>
-              <a:t>"</a:t>
+              <a:t> "</a:t>
             </a:r>
             <a:r>
               <a:rPr lang="es-ES_tradnl" sz="2400" b="1" dirty="0">
@@ -10185,19 +10185,19 @@
                 </a:solidFill>
                 <a:cs typeface="Arial" pitchFamily="34" charset="0"/>
               </a:rPr>
-              <a:t>elevado al cuadrado es: </a:t>
-            </a:r>
-            <a:r>
-              <a:rPr lang="es-MX" sz="2400" b="1" dirty="0">
+              <a:t> % (</a:t>
+            </a:r>
+            <a:r>
+              <a:rPr lang="es-ES_tradnl" sz="2400" b="1" dirty="0" err="1">
                 <a:solidFill>
                   <a:schemeClr val="tx1">
                     <a:lumMod val="95000"/>
                     <a:lumOff val="5000"/>
                   </a:schemeClr>
                 </a:solidFill>
-                <a:cs typeface="Arial" panose="020B0604020202020204" pitchFamily="34" charset="0"/>
-              </a:rPr>
-              <a:t>"</a:t>
+                <a:cs typeface="Arial" pitchFamily="34" charset="0"/>
+              </a:rPr>
+              <a:t>num</a:t>
             </a:r>
             <a:r>
               <a:rPr lang="es-ES_tradnl" sz="2400" b="1" dirty="0">
@@ -10209,8 +10209,28 @@
                 </a:solidFill>
                 <a:cs typeface="Arial" pitchFamily="34" charset="0"/>
               </a:rPr>
-              <a:t>, resultado)</a:t>
-            </a:r>
+              <a:t>, resultado))</a:t>
+            </a:r>
+          </a:p>
+          <a:p>
+            <a:pPr>
+              <a:lnSpc>
+                <a:spcPts val="3500"/>
+              </a:lnSpc>
+              <a:spcBef>
+                <a:spcPct val="0"/>
+              </a:spcBef>
+              <a:buNone/>
+            </a:pPr>
+            <a:endParaRPr lang="es-ES_tradnl" sz="2400" b="1" dirty="0">
+              <a:solidFill>
+                <a:schemeClr val="tx1">
+                  <a:lumMod val="95000"/>
+                  <a:lumOff val="5000"/>
+                </a:schemeClr>
+              </a:solidFill>
+              <a:cs typeface="Arial" pitchFamily="34" charset="0"/>
+            </a:endParaRPr>
           </a:p>
         </p:txBody>
       </p:sp>
@@ -10322,8 +10342,8 @@
         </p:blipFill>
         <p:spPr>
           <a:xfrm>
-            <a:off x="6675902" y="4860598"/>
-            <a:ext cx="1728192" cy="1603861"/>
+            <a:off x="507532" y="5087580"/>
+            <a:ext cx="1365496" cy="1267258"/>
           </a:xfrm>
           <a:prstGeom prst="rect">
             <a:avLst/>
@@ -10387,6 +10407,43 @@
           </a:p>
         </p:txBody>
       </p:sp>
+      <p:pic>
+        <p:nvPicPr>
+          <p:cNvPr id="2" name="Imagen 1">
+            <a:extLst>
+              <a:ext uri="{FF2B5EF4-FFF2-40B4-BE49-F238E27FC236}">
+                <a16:creationId xmlns:a16="http://schemas.microsoft.com/office/drawing/2014/main" id="{6E403E43-DD60-4594-8A3C-13E01DB8C385}"/>
+              </a:ext>
+            </a:extLst>
+          </p:cNvPr>
+          <p:cNvPicPr>
+            <a:picLocks noChangeAspect="1"/>
+          </p:cNvPicPr>
+          <p:nvPr/>
+        </p:nvPicPr>
+        <p:blipFill>
+          <a:blip r:embed="rId4"/>
+          <a:stretch>
+            <a:fillRect/>
+          </a:stretch>
+        </p:blipFill>
+        <p:spPr>
+          <a:xfrm>
+            <a:off x="4162360" y="5029114"/>
+            <a:ext cx="4467225" cy="1266825"/>
+          </a:xfrm>
+          <a:prstGeom prst="rect">
+            <a:avLst/>
+          </a:prstGeom>
+          <a:effectLst>
+            <a:outerShdw blurRad="63500" sx="102000" sy="102000" algn="ctr" rotWithShape="0">
+              <a:prstClr val="black">
+                <a:alpha val="40000"/>
+              </a:prstClr>
+            </a:outerShdw>
+          </a:effectLst>
+        </p:spPr>
+      </p:pic>
     </p:spTree>
     <p:extLst>
       <p:ext uri="{BB962C8B-B14F-4D97-AF65-F5344CB8AC3E}">
